--- a/スライド等/自作スクリプト言語の書き方.pptx
+++ b/スライド等/自作スクリプト言語の書き方.pptx
@@ -266,7 +266,7 @@
           <a:p>
             <a:fld id="{E99B42DB-BEAE-49C9-888E-A41175E9A1FF}" type="datetimeFigureOut">
               <a:rPr kumimoji="1" lang="ja-JP" altLang="en-US" smtClean="0"/>
-              <a:t>2022/12/9</a:t>
+              <a:t>2022/12/10</a:t>
             </a:fld>
             <a:endParaRPr kumimoji="1" lang="ja-JP" altLang="en-US"/>
           </a:p>
@@ -496,7 +496,7 @@
           <a:p>
             <a:fld id="{E99B42DB-BEAE-49C9-888E-A41175E9A1FF}" type="datetimeFigureOut">
               <a:rPr kumimoji="1" lang="ja-JP" altLang="en-US" smtClean="0"/>
-              <a:t>2022/12/9</a:t>
+              <a:t>2022/12/10</a:t>
             </a:fld>
             <a:endParaRPr kumimoji="1" lang="ja-JP" altLang="en-US"/>
           </a:p>
@@ -736,7 +736,7 @@
           <a:p>
             <a:fld id="{E99B42DB-BEAE-49C9-888E-A41175E9A1FF}" type="datetimeFigureOut">
               <a:rPr kumimoji="1" lang="ja-JP" altLang="en-US" smtClean="0"/>
-              <a:t>2022/12/9</a:t>
+              <a:t>2022/12/10</a:t>
             </a:fld>
             <a:endParaRPr kumimoji="1" lang="ja-JP" altLang="en-US"/>
           </a:p>
@@ -966,7 +966,7 @@
           <a:p>
             <a:fld id="{E99B42DB-BEAE-49C9-888E-A41175E9A1FF}" type="datetimeFigureOut">
               <a:rPr kumimoji="1" lang="ja-JP" altLang="en-US" smtClean="0"/>
-              <a:t>2022/12/9</a:t>
+              <a:t>2022/12/10</a:t>
             </a:fld>
             <a:endParaRPr kumimoji="1" lang="ja-JP" altLang="en-US"/>
           </a:p>
@@ -1241,7 +1241,7 @@
           <a:p>
             <a:fld id="{E99B42DB-BEAE-49C9-888E-A41175E9A1FF}" type="datetimeFigureOut">
               <a:rPr kumimoji="1" lang="ja-JP" altLang="en-US" smtClean="0"/>
-              <a:t>2022/12/9</a:t>
+              <a:t>2022/12/10</a:t>
             </a:fld>
             <a:endParaRPr kumimoji="1" lang="ja-JP" altLang="en-US"/>
           </a:p>
@@ -1570,7 +1570,7 @@
           <a:p>
             <a:fld id="{E99B42DB-BEAE-49C9-888E-A41175E9A1FF}" type="datetimeFigureOut">
               <a:rPr kumimoji="1" lang="ja-JP" altLang="en-US" smtClean="0"/>
-              <a:t>2022/12/9</a:t>
+              <a:t>2022/12/10</a:t>
             </a:fld>
             <a:endParaRPr kumimoji="1" lang="ja-JP" altLang="en-US"/>
           </a:p>
@@ -2046,7 +2046,7 @@
           <a:p>
             <a:fld id="{E99B42DB-BEAE-49C9-888E-A41175E9A1FF}" type="datetimeFigureOut">
               <a:rPr kumimoji="1" lang="ja-JP" altLang="en-US" smtClean="0"/>
-              <a:t>2022/12/9</a:t>
+              <a:t>2022/12/10</a:t>
             </a:fld>
             <a:endParaRPr kumimoji="1" lang="ja-JP" altLang="en-US"/>
           </a:p>
@@ -2187,7 +2187,7 @@
           <a:p>
             <a:fld id="{E99B42DB-BEAE-49C9-888E-A41175E9A1FF}" type="datetimeFigureOut">
               <a:rPr kumimoji="1" lang="ja-JP" altLang="en-US" smtClean="0"/>
-              <a:t>2022/12/9</a:t>
+              <a:t>2022/12/10</a:t>
             </a:fld>
             <a:endParaRPr kumimoji="1" lang="ja-JP" altLang="en-US"/>
           </a:p>
@@ -2300,7 +2300,7 @@
           <a:p>
             <a:fld id="{E99B42DB-BEAE-49C9-888E-A41175E9A1FF}" type="datetimeFigureOut">
               <a:rPr kumimoji="1" lang="ja-JP" altLang="en-US" smtClean="0"/>
-              <a:t>2022/12/9</a:t>
+              <a:t>2022/12/10</a:t>
             </a:fld>
             <a:endParaRPr kumimoji="1" lang="ja-JP" altLang="en-US"/>
           </a:p>
@@ -2643,7 +2643,7 @@
           <a:p>
             <a:fld id="{E99B42DB-BEAE-49C9-888E-A41175E9A1FF}" type="datetimeFigureOut">
               <a:rPr kumimoji="1" lang="ja-JP" altLang="en-US" smtClean="0"/>
-              <a:t>2022/12/9</a:t>
+              <a:t>2022/12/10</a:t>
             </a:fld>
             <a:endParaRPr kumimoji="1" lang="ja-JP" altLang="en-US"/>
           </a:p>
@@ -2931,7 +2931,7 @@
           <a:p>
             <a:fld id="{E99B42DB-BEAE-49C9-888E-A41175E9A1FF}" type="datetimeFigureOut">
               <a:rPr kumimoji="1" lang="ja-JP" altLang="en-US" smtClean="0"/>
-              <a:t>2022/12/9</a:t>
+              <a:t>2022/12/10</a:t>
             </a:fld>
             <a:endParaRPr kumimoji="1" lang="ja-JP" altLang="en-US"/>
           </a:p>
@@ -3204,7 +3204,7 @@
           <a:p>
             <a:fld id="{E99B42DB-BEAE-49C9-888E-A41175E9A1FF}" type="datetimeFigureOut">
               <a:rPr kumimoji="1" lang="ja-JP" altLang="en-US" smtClean="0"/>
-              <a:t>2022/12/9</a:t>
+              <a:t>2022/12/10</a:t>
             </a:fld>
             <a:endParaRPr kumimoji="1" lang="ja-JP" altLang="en-US"/>
           </a:p>
@@ -4110,7 +4110,14 @@
             </a:r>
             <a:r>
               <a:rPr kumimoji="1" lang="ja-JP" altLang="en-US" dirty="0"/>
-              <a:t>フローチャートの全コマンドに個別の</a:t>
+              <a:t>フローチャートの</a:t>
+            </a:r>
+            <a:br>
+              <a:rPr kumimoji="1" lang="en-US" altLang="ja-JP" dirty="0"/>
+            </a:br>
+            <a:r>
+              <a:rPr kumimoji="1" lang="ja-JP" altLang="en-US" dirty="0"/>
+              <a:t>全コマンドに個別の</a:t>
             </a:r>
             <a:r>
               <a:rPr kumimoji="1" lang="en-US" altLang="ja-JP" dirty="0"/>
@@ -8763,8 +8770,8 @@
         </p:nvSpPr>
         <p:spPr>
           <a:xfrm>
-            <a:off x="9809143" y="6313812"/>
-            <a:ext cx="2817671" cy="400110"/>
+            <a:off x="7609800" y="6313812"/>
+            <a:ext cx="4831582" cy="400110"/>
           </a:xfrm>
           <a:prstGeom prst="rect">
             <a:avLst/>
@@ -8778,14 +8785,13 @@
           <a:lstStyle/>
           <a:p>
             <a:r>
-              <a:rPr lang="en-US" altLang="ja-JP" sz="2000" dirty="0"/>
+              <a:rPr kumimoji="1" lang="en-US" altLang="ja-JP" sz="2000" dirty="0"/>
               <a:t>※</a:t>
             </a:r>
             <a:r>
-              <a:rPr lang="ja-JP" altLang="en-US" sz="2000" dirty="0"/>
-              <a:t>順番は問わない</a:t>
-            </a:r>
-            <a:endParaRPr kumimoji="1" lang="ja-JP" altLang="en-US" sz="2000" dirty="0"/>
+              <a:rPr kumimoji="1" lang="ja-JP" altLang="en-US" sz="2000" dirty="0"/>
+              <a:t>コマンドを記述する順番は問わない</a:t>
+            </a:r>
           </a:p>
         </p:txBody>
       </p:sp>
@@ -14224,10 +14230,24 @@
         </p:nvSpPr>
         <p:spPr>
           <a:xfrm>
-            <a:off x="5652817" y="1393794"/>
-            <a:ext cx="5089164" cy="5335480"/>
+            <a:off x="5634710" y="1397088"/>
+            <a:ext cx="5089164" cy="5175749"/>
           </a:xfrm>
         </p:spPr>
+        <p:style>
+          <a:lnRef idx="2">
+            <a:schemeClr val="accent1"/>
+          </a:lnRef>
+          <a:fillRef idx="1">
+            <a:schemeClr val="lt1"/>
+          </a:fillRef>
+          <a:effectRef idx="0">
+            <a:schemeClr val="accent1"/>
+          </a:effectRef>
+          <a:fontRef idx="minor">
+            <a:schemeClr val="dk1"/>
+          </a:fontRef>
+        </p:style>
         <p:txBody>
           <a:bodyPr>
             <a:normAutofit fontScale="92500" lnSpcReduction="10000"/>
@@ -15950,7 +15970,7 @@
         </p:nvSpPr>
         <p:spPr>
           <a:xfrm>
-            <a:off x="7944737" y="6191828"/>
+            <a:off x="8179292" y="958904"/>
             <a:ext cx="4012708" cy="424114"/>
           </a:xfrm>
           <a:prstGeom prst="rect">
@@ -16593,6 +16613,20 @@
             <a:ext cx="5089164" cy="5335480"/>
           </a:xfrm>
         </p:spPr>
+        <p:style>
+          <a:lnRef idx="2">
+            <a:schemeClr val="accent1"/>
+          </a:lnRef>
+          <a:fillRef idx="1">
+            <a:schemeClr val="lt1"/>
+          </a:fillRef>
+          <a:effectRef idx="0">
+            <a:schemeClr val="accent1"/>
+          </a:effectRef>
+          <a:fontRef idx="minor">
+            <a:schemeClr val="dk1"/>
+          </a:fontRef>
+        </p:style>
         <p:txBody>
           <a:bodyPr>
             <a:normAutofit fontScale="92500" lnSpcReduction="10000"/>
@@ -20306,8 +20340,21 @@
           <a:prstGeom prst="rect">
             <a:avLst/>
           </a:prstGeom>
-          <a:noFill/>
         </p:spPr>
+        <p:style>
+          <a:lnRef idx="2">
+            <a:schemeClr val="accent1"/>
+          </a:lnRef>
+          <a:fillRef idx="1">
+            <a:schemeClr val="lt1"/>
+          </a:fillRef>
+          <a:effectRef idx="0">
+            <a:schemeClr val="accent1"/>
+          </a:effectRef>
+          <a:fontRef idx="minor">
+            <a:schemeClr val="dk1"/>
+          </a:fontRef>
+        </p:style>
         <p:txBody>
           <a:bodyPr wrap="square">
             <a:spAutoFit/>
